--- a/JDBCSS2020.pptx
+++ b/JDBCSS2020.pptx
@@ -9480,6 +9480,44 @@
                 <a:hlinkClick r:id="rId4"/>
               </a:rPr>
               <a:t>https://www.sqlitetutorial.net/</a:t>
+            </a:r>
+            <a:endParaRPr lang="de-AT" sz="2400" dirty="0"/>
+          </a:p>
+          <a:p>
+            <a:pPr algn="l" eaLnBrk="1" hangingPunct="1">
+              <a:lnSpc>
+                <a:spcPct val="120000"/>
+              </a:lnSpc>
+              <a:spcBef>
+                <a:spcPct val="50000"/>
+              </a:spcBef>
+              <a:buFontTx/>
+              <a:buChar char="•"/>
+            </a:pPr>
+            <a:r>
+              <a:rPr lang="de-AT" sz="2400" dirty="0">
+                <a:latin typeface="Arial" pitchFamily="34" charset="0"/>
+                <a:cs typeface="Arial" pitchFamily="34" charset="0"/>
+              </a:rPr>
+              <a:t>Beispiele</a:t>
+            </a:r>
+          </a:p>
+          <a:p>
+            <a:pPr algn="l" eaLnBrk="1" hangingPunct="1">
+              <a:lnSpc>
+                <a:spcPct val="120000"/>
+              </a:lnSpc>
+              <a:spcBef>
+                <a:spcPct val="50000"/>
+              </a:spcBef>
+              <a:buFontTx/>
+              <a:buChar char="•"/>
+            </a:pPr>
+            <a:r>
+              <a:rPr lang="de-AT" sz="2400" dirty="0">
+                <a:hlinkClick r:id="rId5"/>
+              </a:rPr>
+              <a:t>https://github.com/johanngrabner-lv/DBP_SS2020</a:t>
             </a:r>
             <a:endParaRPr lang="de-AT" sz="2400" dirty="0">
               <a:latin typeface="Arial" pitchFamily="34" charset="0"/>
